--- a/YetAnotherDoc.pptx
+++ b/YetAnotherDoc.pptx
@@ -295,7 +295,7 @@
             <a:fld id="{B61BEF0D-F0BB-DE4B-95CE-6DB70DBA9567}" type="datetimeFigureOut">
               <a:rPr lang="en-US" smtClean="0"/>
               <a:pPr/>
-              <a:t>5/14/2019</a:t>
+              <a:t>5/15/2019</a:t>
             </a:fld>
             <a:endParaRPr lang="en-US" dirty="0"/>
           </a:p>
@@ -462,7 +462,7 @@
             <a:fld id="{B61BEF0D-F0BB-DE4B-95CE-6DB70DBA9567}" type="datetimeFigureOut">
               <a:rPr lang="en-US" smtClean="0"/>
               <a:pPr/>
-              <a:t>5/14/2019</a:t>
+              <a:t>5/15/2019</a:t>
             </a:fld>
             <a:endParaRPr lang="en-US" dirty="0"/>
           </a:p>
@@ -639,7 +639,7 @@
             <a:fld id="{B61BEF0D-F0BB-DE4B-95CE-6DB70DBA9567}" type="datetimeFigureOut">
               <a:rPr lang="en-US" smtClean="0"/>
               <a:pPr/>
-              <a:t>5/14/2019</a:t>
+              <a:t>5/15/2019</a:t>
             </a:fld>
             <a:endParaRPr lang="en-US" dirty="0"/>
           </a:p>
@@ -806,7 +806,7 @@
             <a:fld id="{B61BEF0D-F0BB-DE4B-95CE-6DB70DBA9567}" type="datetimeFigureOut">
               <a:rPr lang="en-US" smtClean="0"/>
               <a:pPr/>
-              <a:t>5/14/2019</a:t>
+              <a:t>5/15/2019</a:t>
             </a:fld>
             <a:endParaRPr lang="en-US" dirty="0"/>
           </a:p>
@@ -1049,7 +1049,7 @@
             <a:fld id="{B61BEF0D-F0BB-DE4B-95CE-6DB70DBA9567}" type="datetimeFigureOut">
               <a:rPr lang="en-US" smtClean="0"/>
               <a:pPr/>
-              <a:t>5/14/2019</a:t>
+              <a:t>5/15/2019</a:t>
             </a:fld>
             <a:endParaRPr lang="en-US" dirty="0"/>
           </a:p>
@@ -1334,7 +1334,7 @@
             <a:fld id="{B61BEF0D-F0BB-DE4B-95CE-6DB70DBA9567}" type="datetimeFigureOut">
               <a:rPr lang="en-US" smtClean="0"/>
               <a:pPr/>
-              <a:t>5/14/2019</a:t>
+              <a:t>5/15/2019</a:t>
             </a:fld>
             <a:endParaRPr lang="en-US" dirty="0"/>
           </a:p>
@@ -1753,7 +1753,7 @@
             <a:fld id="{B61BEF0D-F0BB-DE4B-95CE-6DB70DBA9567}" type="datetimeFigureOut">
               <a:rPr lang="en-US" smtClean="0"/>
               <a:pPr/>
-              <a:t>5/14/2019</a:t>
+              <a:t>5/15/2019</a:t>
             </a:fld>
             <a:endParaRPr lang="en-US" dirty="0"/>
           </a:p>
@@ -1868,7 +1868,7 @@
             <a:fld id="{B61BEF0D-F0BB-DE4B-95CE-6DB70DBA9567}" type="datetimeFigureOut">
               <a:rPr lang="en-US" smtClean="0"/>
               <a:pPr/>
-              <a:t>5/14/2019</a:t>
+              <a:t>5/15/2019</a:t>
             </a:fld>
             <a:endParaRPr lang="en-US" dirty="0"/>
           </a:p>
@@ -1960,7 +1960,7 @@
             <a:fld id="{B61BEF0D-F0BB-DE4B-95CE-6DB70DBA9567}" type="datetimeFigureOut">
               <a:rPr lang="en-US" smtClean="0"/>
               <a:pPr/>
-              <a:t>5/14/2019</a:t>
+              <a:t>5/15/2019</a:t>
             </a:fld>
             <a:endParaRPr lang="en-US" dirty="0"/>
           </a:p>
@@ -2234,7 +2234,7 @@
             <a:fld id="{B61BEF0D-F0BB-DE4B-95CE-6DB70DBA9567}" type="datetimeFigureOut">
               <a:rPr lang="en-US" smtClean="0"/>
               <a:pPr/>
-              <a:t>5/14/2019</a:t>
+              <a:t>5/15/2019</a:t>
             </a:fld>
             <a:endParaRPr lang="en-US" dirty="0"/>
           </a:p>
@@ -2484,7 +2484,7 @@
             <a:fld id="{B61BEF0D-F0BB-DE4B-95CE-6DB70DBA9567}" type="datetimeFigureOut">
               <a:rPr lang="en-US" smtClean="0"/>
               <a:pPr/>
-              <a:t>5/14/2019</a:t>
+              <a:t>5/15/2019</a:t>
             </a:fld>
             <a:endParaRPr lang="en-US" dirty="0"/>
           </a:p>
@@ -2697,7 +2697,7 @@
             <a:fld id="{B61BEF0D-F0BB-DE4B-95CE-6DB70DBA9567}" type="datetimeFigureOut">
               <a:rPr lang="en-US" smtClean="0"/>
               <a:pPr/>
-              <a:t>5/14/2019</a:t>
+              <a:t>5/15/2019</a:t>
             </a:fld>
             <a:endParaRPr lang="en-US" dirty="0"/>
           </a:p>
@@ -3155,7 +3155,7 @@
     </p:spTree>
     <p:extLst>
       <p:ext uri="{BB962C8B-B14F-4D97-AF65-F5344CB8AC3E}">
-        <p14:creationId xmlns="" xmlns:p14="http://schemas.microsoft.com/office/powerpoint/2010/main" val="1520629916"/>
+        <p14:creationId xmlns:p14="http://schemas.microsoft.com/office/powerpoint/2010/main" xmlns="" val="1520629916"/>
       </p:ext>
     </p:extLst>
   </p:cSld>
@@ -3432,6 +3432,14 @@
 <file path=ppt/slides/slide4.xml><?xml version="1.0" encoding="utf-8"?>
 <p:sld xmlns:a="http://schemas.openxmlformats.org/drawingml/2006/main" xmlns:r="http://schemas.openxmlformats.org/officeDocument/2006/relationships" xmlns:p="http://schemas.openxmlformats.org/presentationml/2006/main">
   <p:cSld>
+    <p:bg>
+      <p:bgPr>
+        <a:solidFill>
+          <a:srgbClr val="7F87CF"/>
+        </a:solidFill>
+        <a:effectLst/>
+      </p:bgPr>
+    </p:bg>
     <p:spTree>
       <p:nvGrpSpPr>
         <p:cNvPr id="1" name=""/>
@@ -3446,41 +3454,71 @@
           <a:chExt cx="0" cy="0"/>
         </a:xfrm>
       </p:grpSpPr>
-      <p:sp>
-        <p:nvSpPr>
-          <p:cNvPr id="2" name="Заголовок 1"/>
-          <p:cNvSpPr>
-            <a:spLocks noGrp="1"/>
-          </p:cNvSpPr>
-          <p:nvPr>
-            <p:ph type="title"/>
-          </p:nvPr>
-        </p:nvSpPr>
-        <p:spPr/>
-        <p:txBody>
-          <a:bodyPr/>
-          <a:lstStyle/>
-          <a:p>
-            <a:endParaRPr lang="ru-RU"/>
-          </a:p>
-        </p:txBody>
-      </p:sp>
-      <p:sp>
-        <p:nvSpPr>
-          <p:cNvPr id="3" name="Содержимое 2"/>
-          <p:cNvSpPr>
-            <a:spLocks noGrp="1"/>
-          </p:cNvSpPr>
-          <p:nvPr>
-            <p:ph idx="1"/>
-          </p:nvPr>
-        </p:nvSpPr>
-        <p:spPr/>
-        <p:txBody>
-          <a:bodyPr/>
-          <a:lstStyle/>
-          <a:p>
-            <a:endParaRPr lang="ru-RU" dirty="0"/>
+      <p:pic>
+        <p:nvPicPr>
+          <p:cNvPr id="4098" name="Picture 2" descr="https://pp.userapi.com/c851020/v851020184/61cb5/3j0s9KLbgjk.jpg">
+            <a:hlinkClick r:id="rId2"/>
+          </p:cNvPr>
+          <p:cNvPicPr>
+            <a:picLocks noChangeAspect="1" noChangeArrowheads="1"/>
+          </p:cNvPicPr>
+          <p:nvPr/>
+        </p:nvPicPr>
+        <p:blipFill>
+          <a:blip r:embed="rId3"/>
+          <a:srcRect/>
+          <a:stretch>
+            <a:fillRect/>
+          </a:stretch>
+        </p:blipFill>
+        <p:spPr bwMode="auto">
+          <a:xfrm>
+            <a:off x="1470110" y="2662152"/>
+            <a:ext cx="9067800" cy="3429001"/>
+          </a:xfrm>
+          <a:prstGeom prst="rect">
+            <a:avLst/>
+          </a:prstGeom>
+          <a:noFill/>
+        </p:spPr>
+      </p:pic>
+      <p:sp>
+        <p:nvSpPr>
+          <p:cNvPr id="6" name="TextBox 5"/>
+          <p:cNvSpPr txBox="1"/>
+          <p:nvPr/>
+        </p:nvSpPr>
+        <p:spPr>
+          <a:xfrm>
+            <a:off x="1606379" y="576650"/>
+            <a:ext cx="9415847" cy="1754326"/>
+          </a:xfrm>
+          <a:prstGeom prst="rect">
+            <a:avLst/>
+          </a:prstGeom>
+          <a:noFill/>
+        </p:spPr>
+        <p:txBody>
+          <a:bodyPr wrap="square" rtlCol="0">
+            <a:spAutoFit/>
+          </a:bodyPr>
+          <a:lstStyle/>
+          <a:p>
+            <a:r>
+              <a:rPr lang="ru-RU" sz="3600" dirty="0" smtClean="0">
+                <a:solidFill>
+                  <a:srgbClr val="F8A764"/>
+                </a:solidFill>
+                <a:latin typeface="Bahnschrift SemiBold" pitchFamily="34" charset="0"/>
+              </a:rPr>
+              <a:t>Распределённые  по  пальцам  с  помощью разных  цветов  клавиши  +  колоритный  и  живой  дизайн  =  успех.</a:t>
+            </a:r>
+            <a:endParaRPr lang="ru-RU" sz="3600" dirty="0">
+              <a:solidFill>
+                <a:srgbClr val="F8A764"/>
+              </a:solidFill>
+              <a:latin typeface="Bahnschrift SemiBold" pitchFamily="34" charset="0"/>
+            </a:endParaRPr>
           </a:p>
         </p:txBody>
       </p:sp>
@@ -3985,23 +4023,8 @@
                 </a:solidFill>
                 <a:latin typeface="Bahnschrift SemiCondensed" pitchFamily="34" charset="0"/>
               </a:rPr>
-              <a:t>Удобно</a:t>
-            </a:r>
-            <a:r>
-              <a:rPr lang="ru-RU" sz="3600" i="1" dirty="0" smtClean="0">
-                <a:solidFill>
-                  <a:srgbClr val="F8A764"/>
-                </a:solidFill>
-                <a:latin typeface="Bahnschrift SemiCondensed" pitchFamily="34" charset="0"/>
-              </a:rPr>
-              <a:t>, быстро и с открытым исходным кодом!</a:t>
-            </a:r>
-            <a:endParaRPr lang="ru-RU" sz="3600" i="1" dirty="0" smtClean="0">
-              <a:solidFill>
-                <a:srgbClr val="F8A764"/>
-              </a:solidFill>
-              <a:latin typeface="Bahnschrift SemiCondensed" pitchFamily="34" charset="0"/>
-            </a:endParaRPr>
+              <a:t>Удобно, быстро и с открытым исходным кодом!</a:t>
+            </a:r>
           </a:p>
         </p:txBody>
       </p:sp>
